--- a/Fully Convolutional Networks for Semantic Segmentation_논문정리.pptx
+++ b/Fully Convolutional Networks for Semantic Segmentation_논문정리.pptx
@@ -8970,15 +8970,7 @@
             </a:pPr>
             <a:r>
               <a:rPr lang="en-US" altLang="ko-KR" dirty="0" smtClean="0"/>
-              <a:t>Fully </a:t>
-            </a:r>
-            <a:r>
-              <a:rPr lang="en-US" altLang="ko-KR" dirty="0" smtClean="0"/>
-              <a:t>convolutional </a:t>
-            </a:r>
-            <a:r>
-              <a:rPr lang="en-US" altLang="ko-KR" dirty="0" smtClean="0"/>
-              <a:t>model</a:t>
+              <a:t>Fully convolutional model</a:t>
             </a:r>
             <a:r>
               <a:rPr lang="ko-KR" altLang="en-US" dirty="0" smtClean="0"/>
@@ -9171,15 +9163,7 @@
             </a:r>
             <a:r>
               <a:rPr lang="ko-KR" altLang="en-US" dirty="0" smtClean="0"/>
-              <a:t>이미지의 일부분을 처리하는 기능에 </a:t>
-            </a:r>
-            <a:r>
-              <a:rPr lang="ko-KR" altLang="en-US" dirty="0" smtClean="0"/>
-              <a:t>발</a:t>
-            </a:r>
-            <a:r>
-              <a:rPr lang="ko-KR" altLang="en-US" dirty="0" smtClean="0"/>
-              <a:t>전을 기여</a:t>
+              <a:t>이미지의 일부분을 처리하는 기능에 발전을 기여</a:t>
             </a:r>
             <a:endParaRPr lang="en-US" altLang="ko-KR" dirty="0" smtClean="0"/>
           </a:p>
@@ -9189,11 +9173,7 @@
             </a:pPr>
             <a:r>
               <a:rPr lang="ko-KR" altLang="en-US" dirty="0" smtClean="0"/>
-              <a:t>고정된 </a:t>
-            </a:r>
-            <a:r>
-              <a:rPr lang="ko-KR" altLang="en-US" dirty="0" smtClean="0"/>
-              <a:t>크기의 </a:t>
+              <a:t>고정된 크기의 </a:t>
             </a:r>
             <a:r>
               <a:rPr lang="en-US" altLang="ko-KR" dirty="0" smtClean="0"/>
@@ -9213,7 +9193,6 @@
               <a:rPr lang="en-US" altLang="ko-KR" dirty="0" smtClean="0"/>
               <a:t>This research</a:t>
             </a:r>
-            <a:endParaRPr lang="en-US" altLang="ko-KR" dirty="0" smtClean="0"/>
           </a:p>
           <a:p>
             <a:pPr lvl="1">
@@ -9225,11 +9204,7 @@
             </a:r>
             <a:r>
               <a:rPr lang="en-US" altLang="ko-KR" dirty="0" smtClean="0"/>
-              <a:t>fully </a:t>
-            </a:r>
-            <a:r>
-              <a:rPr lang="en-US" altLang="ko-KR" dirty="0" smtClean="0"/>
-              <a:t>convolutional network(FCN)</a:t>
+              <a:t>fully convolutional network(FCN)</a:t>
             </a:r>
             <a:r>
               <a:rPr lang="ko-KR" altLang="en-US" dirty="0" smtClean="0"/>
@@ -9241,11 +9216,7 @@
             </a:r>
             <a:r>
               <a:rPr lang="ko-KR" altLang="en-US" dirty="0" smtClean="0"/>
-              <a:t>픽셀단위의 예측을 위한 전처리 지도학습을 </a:t>
-            </a:r>
-            <a:r>
-              <a:rPr lang="ko-KR" altLang="en-US" dirty="0" smtClean="0"/>
-              <a:t>진행</a:t>
+              <a:t>픽셀단위의 예측을 위한 전처리 지도학습을 진행</a:t>
             </a:r>
             <a:endParaRPr lang="en-US" altLang="ko-KR" dirty="0" smtClean="0"/>
           </a:p>
@@ -9284,11 +9255,7 @@
             </a:pPr>
             <a:r>
               <a:rPr lang="ko-KR" altLang="en-US" dirty="0" smtClean="0"/>
-              <a:t>본 </a:t>
-            </a:r>
-            <a:r>
-              <a:rPr lang="ko-KR" altLang="en-US" dirty="0" smtClean="0"/>
-              <a:t>모델은 </a:t>
+              <a:t>본 모델은 </a:t>
             </a:r>
             <a:r>
               <a:rPr lang="en-US" altLang="ko-KR" dirty="0" smtClean="0"/>
@@ -9316,11 +9283,7 @@
             </a:r>
             <a:r>
               <a:rPr lang="ko-KR" altLang="en-US" dirty="0" smtClean="0"/>
-              <a:t> 분류했던 결과를 픽셀단위 예측으로 전환 및 </a:t>
-            </a:r>
-            <a:r>
-              <a:rPr lang="ko-KR" altLang="en-US" dirty="0" smtClean="0"/>
-              <a:t>이용</a:t>
+              <a:t> 분류했던 결과를 픽셀단위 예측으로 전환 및 이용</a:t>
             </a:r>
             <a:endParaRPr lang="en-US" altLang="ko-KR" dirty="0" smtClean="0"/>
           </a:p>
@@ -9334,31 +9297,15 @@
             </a:r>
             <a:r>
               <a:rPr lang="ko-KR" altLang="en-US" dirty="0" smtClean="0"/>
-              <a:t>은 의미와 </a:t>
+              <a:t>은 의미와 위치 사이의 관계성이 있고</a:t>
+            </a:r>
+            <a:r>
+              <a:rPr lang="en-US" altLang="ko-KR" dirty="0" smtClean="0"/>
+              <a:t>, skip architecture</a:t>
             </a:r>
             <a:r>
               <a:rPr lang="ko-KR" altLang="en-US" dirty="0" smtClean="0"/>
-              <a:t>위치 사이의 </a:t>
-            </a:r>
-            <a:r>
-              <a:rPr lang="ko-KR" altLang="en-US" dirty="0" smtClean="0"/>
-              <a:t>관계성이 있고</a:t>
-            </a:r>
-            <a:r>
-              <a:rPr lang="en-US" altLang="ko-KR" dirty="0" smtClean="0"/>
-              <a:t>, skip </a:t>
-            </a:r>
-            <a:r>
-              <a:rPr lang="en-US" altLang="ko-KR" dirty="0" smtClean="0"/>
-              <a:t>architecture</a:t>
-            </a:r>
-            <a:r>
-              <a:rPr lang="ko-KR" altLang="en-US" dirty="0" smtClean="0"/>
-              <a:t>를 통해 심층부의 의미 정보와 하층부의 위치 정보를 </a:t>
-            </a:r>
-            <a:r>
-              <a:rPr lang="ko-KR" altLang="en-US" dirty="0" smtClean="0"/>
-              <a:t>결합</a:t>
+              <a:t>를 통해 심층부의 의미 정보와 하층부의 위치 정보를 결합</a:t>
             </a:r>
             <a:endParaRPr lang="en-US" altLang="ko-KR" dirty="0" smtClean="0"/>
           </a:p>
@@ -9471,11 +9418,7 @@
             </a:r>
             <a:r>
               <a:rPr lang="en-US" altLang="ko-KR" dirty="0" smtClean="0"/>
-              <a:t> </a:t>
-            </a:r>
-            <a:r>
-              <a:rPr lang="en-US" altLang="ko-KR" dirty="0" smtClean="0"/>
-              <a:t>et al.</a:t>
+              <a:t> et al.</a:t>
             </a:r>
             <a:r>
               <a:rPr lang="ko-KR" altLang="en-US" dirty="0" smtClean="0"/>
@@ -9495,11 +9438,7 @@
             </a:r>
             <a:r>
               <a:rPr lang="ko-KR" altLang="en-US" dirty="0" smtClean="0"/>
-              <a:t>을 적용하는 </a:t>
-            </a:r>
-            <a:r>
-              <a:rPr lang="ko-KR" altLang="en-US" dirty="0" smtClean="0"/>
-              <a:t>시도</a:t>
+              <a:t>을 적용하는 시도</a:t>
             </a:r>
             <a:endParaRPr lang="en-US" altLang="ko-KR" dirty="0" smtClean="0"/>
           </a:p>
@@ -9509,11 +9448,7 @@
             </a:pPr>
             <a:r>
               <a:rPr lang="ko-KR" altLang="en-US" dirty="0" smtClean="0"/>
-              <a:t>해당 </a:t>
-            </a:r>
-            <a:r>
-              <a:rPr lang="ko-KR" altLang="en-US" dirty="0" smtClean="0"/>
-              <a:t>모델은 </a:t>
+              <a:t>해당 모델은 </a:t>
             </a:r>
             <a:r>
               <a:rPr lang="en-US" altLang="ko-KR" dirty="0" err="1"/>
@@ -9521,11 +9456,7 @@
             </a:r>
             <a:r>
               <a:rPr lang="ko-KR" altLang="en-US" dirty="0" smtClean="0"/>
-              <a:t>차원 입력에 </a:t>
-            </a:r>
-            <a:r>
-              <a:rPr lang="ko-KR" altLang="en-US" dirty="0" smtClean="0"/>
-              <a:t>국한</a:t>
+              <a:t>차원 입력에 국한</a:t>
             </a:r>
             <a:r>
               <a:rPr lang="ko-KR" altLang="en-US" dirty="0"/>
@@ -9557,11 +9488,7 @@
             </a:pPr>
             <a:r>
               <a:rPr lang="en-US" altLang="ko-KR" dirty="0" smtClean="0"/>
-              <a:t>Wolf</a:t>
-            </a:r>
-            <a:r>
-              <a:rPr lang="en-US" altLang="ko-KR" dirty="0" smtClean="0"/>
-              <a:t>, Plate</a:t>
+              <a:t>Wolf, Plate</a:t>
             </a:r>
             <a:r>
               <a:rPr lang="ko-KR" altLang="en-US" dirty="0" smtClean="0"/>
@@ -9589,11 +9516,7 @@
             </a:r>
             <a:r>
               <a:rPr lang="ko-KR" altLang="en-US" dirty="0" smtClean="0"/>
-              <a:t> 출력하도록 </a:t>
-            </a:r>
-            <a:r>
-              <a:rPr lang="ko-KR" altLang="en-US" dirty="0" smtClean="0"/>
-              <a:t>확장</a:t>
+              <a:t> 출력하도록 확장</a:t>
             </a:r>
             <a:endParaRPr lang="en-US" altLang="ko-KR" dirty="0" smtClean="0"/>
           </a:p>
@@ -9603,11 +9526,7 @@
             </a:pPr>
             <a:r>
               <a:rPr lang="ko-KR" altLang="en-US" dirty="0" smtClean="0"/>
-              <a:t>위 두 가지 </a:t>
-            </a:r>
-            <a:r>
-              <a:rPr lang="ko-KR" altLang="en-US" dirty="0" smtClean="0"/>
-              <a:t>시도들은 </a:t>
+              <a:t>위 두 가지 시도들은 </a:t>
             </a:r>
             <a:r>
               <a:rPr lang="en-US" altLang="ko-KR" dirty="0" smtClean="0"/>
@@ -9638,103 +9557,6 @@
               <a:t>.</a:t>
             </a:r>
             <a:endParaRPr lang="en-US" altLang="ko-KR" dirty="0" smtClean="0"/>
-          </a:p>
-          <a:p>
-            <a:pPr>
-              <a:buSzPct val="100000"/>
-            </a:pPr>
-            <a:r>
-              <a:rPr lang="en-US" altLang="ko-KR" dirty="0" smtClean="0"/>
-              <a:t>Summary</a:t>
-            </a:r>
-            <a:endParaRPr lang="en-US" altLang="ko-KR" dirty="0" smtClean="0"/>
-          </a:p>
-          <a:p>
-            <a:pPr lvl="1">
-              <a:buSzPct val="100000"/>
-            </a:pPr>
-            <a:r>
-              <a:rPr lang="en-US" altLang="ko-KR" dirty="0" smtClean="0"/>
-              <a:t>*</a:t>
-            </a:r>
-            <a:r>
-              <a:rPr lang="ko-KR" altLang="en-US" dirty="0" smtClean="0"/>
-              <a:t>여러 </a:t>
-            </a:r>
-            <a:r>
-              <a:rPr lang="ko-KR" altLang="en-US" dirty="0" smtClean="0"/>
-              <a:t>논문에서 </a:t>
-            </a:r>
-            <a:r>
-              <a:rPr lang="en-US" altLang="ko-KR" dirty="0" smtClean="0"/>
-              <a:t>semantic segmentation, boundary prediction, </a:t>
-            </a:r>
-            <a:r>
-              <a:rPr lang="ko-KR" altLang="en-US" dirty="0" smtClean="0"/>
-              <a:t>이미지 복구</a:t>
-            </a:r>
-            <a:r>
-              <a:rPr lang="en-US" altLang="ko-KR" dirty="0" smtClean="0"/>
-              <a:t>, </a:t>
-            </a:r>
-            <a:r>
-              <a:rPr lang="ko-KR" altLang="en-US" dirty="0" smtClean="0"/>
-              <a:t>심도 예측에 사용되는 </a:t>
-            </a:r>
-            <a:r>
-              <a:rPr lang="en-US" altLang="ko-KR" dirty="0" smtClean="0"/>
-              <a:t>dense prediction</a:t>
-            </a:r>
-            <a:r>
-              <a:rPr lang="ko-KR" altLang="en-US" dirty="0" smtClean="0"/>
-              <a:t>에 </a:t>
-            </a:r>
-            <a:r>
-              <a:rPr lang="en-US" altLang="ko-KR" dirty="0" err="1" smtClean="0"/>
-              <a:t>convnet</a:t>
-            </a:r>
-            <a:r>
-              <a:rPr lang="ko-KR" altLang="en-US" dirty="0" smtClean="0"/>
-              <a:t>을 사용하였다</a:t>
-            </a:r>
-            <a:r>
-              <a:rPr lang="en-US" altLang="ko-KR" dirty="0" smtClean="0"/>
-              <a:t>. </a:t>
-            </a:r>
-            <a:endParaRPr lang="en-US" altLang="ko-KR" dirty="0" smtClean="0"/>
-          </a:p>
-          <a:p>
-            <a:pPr lvl="1">
-              <a:buSzPct val="100000"/>
-            </a:pPr>
-            <a:r>
-              <a:rPr lang="ko-KR" altLang="en-US" dirty="0" smtClean="0"/>
-              <a:t>이러한 </a:t>
-            </a:r>
-            <a:r>
-              <a:rPr lang="ko-KR" altLang="en-US" dirty="0" smtClean="0"/>
-              <a:t>논문들은 공통적으로 별도의 </a:t>
-            </a:r>
-            <a:r>
-              <a:rPr lang="en-US" altLang="ko-KR" dirty="0" smtClean="0"/>
-              <a:t>machinery</a:t>
-            </a:r>
-            <a:r>
-              <a:rPr lang="ko-KR" altLang="en-US" dirty="0" smtClean="0"/>
-              <a:t>가 필요하였지만 본 논문의 모델은 별도의 </a:t>
-            </a:r>
-            <a:r>
-              <a:rPr lang="en-US" altLang="ko-KR" dirty="0" smtClean="0"/>
-              <a:t>machinery</a:t>
-            </a:r>
-            <a:r>
-              <a:rPr lang="ko-KR" altLang="en-US" dirty="0" smtClean="0"/>
-              <a:t>를 사용하지 않았고 이러한 특징을 중점으로 다른 모델과 비교를 하였다</a:t>
-            </a:r>
-            <a:r>
-              <a:rPr lang="en-US" altLang="ko-KR" dirty="0" smtClean="0"/>
-              <a:t>.</a:t>
-            </a:r>
           </a:p>
         </p:txBody>
       </p:sp>
@@ -9755,15 +9577,7 @@
           <a:p>
             <a:r>
               <a:rPr lang="en-US" altLang="ko-KR" dirty="0" smtClean="0"/>
-              <a:t>Related </a:t>
-            </a:r>
-            <a:r>
-              <a:rPr lang="en-US" altLang="ko-KR" dirty="0" smtClean="0"/>
-              <a:t>works(</a:t>
-            </a:r>
-            <a:r>
-              <a:rPr lang="en-US" altLang="ko-KR" dirty="0" smtClean="0"/>
-              <a:t>I)</a:t>
+              <a:t>Related works(I)</a:t>
             </a:r>
             <a:endParaRPr lang="ko-KR" altLang="en-US" dirty="0"/>
           </a:p>
@@ -9833,7 +9647,6 @@
               <a:rPr lang="en-US" altLang="ko-KR" dirty="0" smtClean="0"/>
               <a:t>Summary</a:t>
             </a:r>
-            <a:endParaRPr lang="en-US" altLang="ko-KR" dirty="0" smtClean="0"/>
           </a:p>
           <a:p>
             <a:pPr lvl="1">
@@ -9845,11 +9658,7 @@
             </a:r>
             <a:r>
               <a:rPr lang="ko-KR" altLang="en-US" dirty="0" smtClean="0"/>
-              <a:t>여러 </a:t>
-            </a:r>
-            <a:r>
-              <a:rPr lang="ko-KR" altLang="en-US" dirty="0" smtClean="0"/>
-              <a:t>논문에서 </a:t>
+              <a:t>여러 논문에서 </a:t>
             </a:r>
             <a:r>
               <a:rPr lang="en-US" altLang="ko-KR" dirty="0" smtClean="0"/>
@@ -9887,7 +9696,6 @@
               <a:rPr lang="en-US" altLang="ko-KR" dirty="0" smtClean="0"/>
               <a:t>. </a:t>
             </a:r>
-            <a:endParaRPr lang="en-US" altLang="ko-KR" dirty="0" smtClean="0"/>
           </a:p>
           <a:p>
             <a:pPr lvl="1">
@@ -9895,11 +9703,7 @@
             </a:pPr>
             <a:r>
               <a:rPr lang="ko-KR" altLang="en-US" dirty="0" smtClean="0"/>
-              <a:t>이러한 </a:t>
-            </a:r>
-            <a:r>
-              <a:rPr lang="ko-KR" altLang="en-US" dirty="0" smtClean="0"/>
-              <a:t>논문들은 공통적으로 별도의 </a:t>
+              <a:t>이러한 논문들은 공통적으로 별도의 </a:t>
             </a:r>
             <a:r>
               <a:rPr lang="en-US" altLang="ko-KR" dirty="0" smtClean="0"/>
@@ -9921,19 +9725,223 @@
               <a:rPr lang="en-US" altLang="ko-KR" dirty="0" smtClean="0"/>
               <a:t>.</a:t>
             </a:r>
-          </a:p>
-          <a:p>
-            <a:pPr lvl="1">
-              <a:buSzPct val="100000"/>
-            </a:pPr>
             <a:endParaRPr lang="en-US" altLang="ko-KR" dirty="0"/>
           </a:p>
           <a:p>
             <a:pPr marL="0" indent="0">
-              <a:buSzPct val="100000"/>
               <a:buNone/>
             </a:pPr>
-            <a:endParaRPr lang="en-US" altLang="ko-KR" dirty="0" smtClean="0"/>
+            <a:r>
+              <a:rPr lang="en-US" altLang="ko-KR" sz="1600" dirty="0" smtClean="0"/>
+              <a:t>    *</a:t>
+            </a:r>
+            <a:r>
+              <a:rPr lang="en-US" altLang="ko-KR" sz="1600" dirty="0" smtClean="0"/>
+              <a:t>referred</a:t>
+            </a:r>
+          </a:p>
+          <a:p>
+            <a:pPr lvl="1"/>
+            <a:r>
+              <a:rPr lang="it-IT" altLang="ko-KR" sz="1200" dirty="0" smtClean="0"/>
+              <a:t>D</a:t>
+            </a:r>
+            <a:r>
+              <a:rPr lang="it-IT" altLang="ko-KR" sz="1200" dirty="0"/>
+              <a:t>. </a:t>
+            </a:r>
+            <a:r>
+              <a:rPr lang="it-IT" altLang="ko-KR" sz="1200" dirty="0"/>
+              <a:t>C. Ciresan, A. Giusti, L. M. Gambardella, and J. </a:t>
+            </a:r>
+            <a:r>
+              <a:rPr lang="it-IT" altLang="ko-KR" sz="1200" dirty="0"/>
+              <a:t>Schmidhuber</a:t>
+            </a:r>
+            <a:r>
+              <a:rPr lang="it-IT" altLang="ko-KR" sz="1200" dirty="0" smtClean="0"/>
+              <a:t>. </a:t>
+            </a:r>
+            <a:r>
+              <a:rPr lang="en-US" altLang="ko-KR" sz="1200" dirty="0" smtClean="0"/>
+              <a:t>Deep </a:t>
+            </a:r>
+            <a:r>
+              <a:rPr lang="en-US" altLang="ko-KR" sz="1200" dirty="0"/>
+              <a:t>neural networks segment neuronal </a:t>
+            </a:r>
+            <a:r>
+              <a:rPr lang="en-US" altLang="ko-KR" sz="1200" dirty="0" smtClean="0"/>
+              <a:t>membranes in </a:t>
+            </a:r>
+            <a:r>
+              <a:rPr lang="en-US" altLang="ko-KR" sz="1200" dirty="0"/>
+              <a:t>electron microscopy </a:t>
+            </a:r>
+            <a:r>
+              <a:rPr lang="en-US" altLang="ko-KR" sz="1200" dirty="0" smtClean="0"/>
+              <a:t>images</a:t>
+            </a:r>
+          </a:p>
+          <a:p>
+            <a:pPr lvl="1"/>
+            <a:r>
+              <a:rPr lang="en-US" altLang="ko-KR" sz="1200" dirty="0"/>
+              <a:t>D. Eigen, D. Krishnan, and R. Fergus. </a:t>
+            </a:r>
+            <a:r>
+              <a:rPr lang="en-US" altLang="ko-KR" sz="1200" dirty="0"/>
+              <a:t>Restoring an </a:t>
+            </a:r>
+            <a:r>
+              <a:rPr lang="en-US" altLang="ko-KR" sz="1200" dirty="0" smtClean="0"/>
+              <a:t>image taken </a:t>
+            </a:r>
+            <a:r>
+              <a:rPr lang="en-US" altLang="ko-KR" sz="1200" dirty="0"/>
+              <a:t>through a window covered with dirt or rain. In </a:t>
+            </a:r>
+            <a:r>
+              <a:rPr lang="en-US" altLang="ko-KR" sz="1200" dirty="0" smtClean="0"/>
+              <a:t>Computer Vision </a:t>
+            </a:r>
+            <a:r>
+              <a:rPr lang="en-US" altLang="ko-KR" sz="1200" dirty="0"/>
+              <a:t>(ICCV</a:t>
+            </a:r>
+            <a:r>
+              <a:rPr lang="en-US" altLang="ko-KR" sz="1200" dirty="0" smtClean="0"/>
+              <a:t>)</a:t>
+            </a:r>
+          </a:p>
+          <a:p>
+            <a:pPr lvl="1"/>
+            <a:r>
+              <a:rPr lang="en-US" altLang="ko-KR" sz="1200" dirty="0"/>
+              <a:t>D. Eigen, C. Puhrsch, and R. Fergus. </a:t>
+            </a:r>
+            <a:r>
+              <a:rPr lang="en-US" altLang="ko-KR" sz="1200" dirty="0"/>
+              <a:t>Depth map </a:t>
+            </a:r>
+            <a:r>
+              <a:rPr lang="en-US" altLang="ko-KR" sz="1200" dirty="0" smtClean="0"/>
+              <a:t>prediction from </a:t>
+            </a:r>
+            <a:r>
+              <a:rPr lang="en-US" altLang="ko-KR" sz="1200" dirty="0"/>
+              <a:t>a single image using a multi-scale deep </a:t>
+            </a:r>
+            <a:r>
+              <a:rPr lang="en-US" altLang="ko-KR" sz="1200" dirty="0" smtClean="0"/>
+              <a:t>network</a:t>
+            </a:r>
+          </a:p>
+          <a:p>
+            <a:pPr lvl="1"/>
+            <a:r>
+              <a:rPr lang="en-US" altLang="ko-KR" sz="1200" dirty="0" smtClean="0"/>
+              <a:t>C. </a:t>
+            </a:r>
+            <a:r>
+              <a:rPr lang="en-US" altLang="ko-KR" sz="1200" dirty="0" err="1" smtClean="0"/>
+              <a:t>Farabet</a:t>
+            </a:r>
+            <a:r>
+              <a:rPr lang="en-US" altLang="ko-KR" sz="1200" dirty="0" smtClean="0"/>
+              <a:t>, C. </a:t>
+            </a:r>
+            <a:r>
+              <a:rPr lang="en-US" altLang="ko-KR" sz="1200" dirty="0" err="1" smtClean="0"/>
+              <a:t>Couprie</a:t>
+            </a:r>
+            <a:r>
+              <a:rPr lang="en-US" altLang="ko-KR" sz="1200" dirty="0" smtClean="0"/>
+              <a:t>, L. </a:t>
+            </a:r>
+            <a:r>
+              <a:rPr lang="en-US" altLang="ko-KR" sz="1200" dirty="0" err="1" smtClean="0"/>
+              <a:t>Najman</a:t>
+            </a:r>
+            <a:r>
+              <a:rPr lang="en-US" altLang="ko-KR" sz="1200" dirty="0" smtClean="0"/>
+              <a:t>, and Y. </a:t>
+            </a:r>
+            <a:r>
+              <a:rPr lang="en-US" altLang="ko-KR" sz="1200" dirty="0" err="1" smtClean="0"/>
+              <a:t>LeCun</a:t>
+            </a:r>
+            <a:r>
+              <a:rPr lang="en-US" altLang="ko-KR" sz="1200" dirty="0" smtClean="0"/>
+              <a:t>. Learning hierarchical </a:t>
+            </a:r>
+            <a:r>
+              <a:rPr lang="en-US" altLang="ko-KR" sz="1200" dirty="0"/>
+              <a:t>features for scene labeling</a:t>
+            </a:r>
+            <a:r>
+              <a:rPr lang="en-US" altLang="ko-KR" sz="1200" dirty="0" smtClean="0"/>
+              <a:t>.</a:t>
+            </a:r>
+          </a:p>
+          <a:p>
+            <a:pPr lvl="1"/>
+            <a:r>
+              <a:rPr lang="en-US" altLang="ko-KR" sz="1200" dirty="0"/>
+              <a:t>F. Ning, D. Delhomme, Y. LeCun, F. Piano, L. Bottou</a:t>
+            </a:r>
+            <a:r>
+              <a:rPr lang="en-US" altLang="ko-KR" sz="1200" dirty="0"/>
+              <a:t>, </a:t>
+            </a:r>
+            <a:r>
+              <a:rPr lang="en-US" altLang="ko-KR" sz="1200" dirty="0" smtClean="0"/>
+              <a:t>and P</a:t>
+            </a:r>
+            <a:r>
+              <a:rPr lang="en-US" altLang="ko-KR" sz="1200" dirty="0"/>
+              <a:t>. </a:t>
+            </a:r>
+            <a:r>
+              <a:rPr lang="en-US" altLang="ko-KR" sz="1200" dirty="0"/>
+              <a:t>E. Barbano. </a:t>
+            </a:r>
+            <a:r>
+              <a:rPr lang="en-US" altLang="ko-KR" sz="1200" dirty="0"/>
+              <a:t>Toward automatic phenotyping of </a:t>
+            </a:r>
+            <a:r>
+              <a:rPr lang="en-US" altLang="ko-KR" sz="1200" dirty="0" smtClean="0"/>
+              <a:t>developing embryos </a:t>
+            </a:r>
+            <a:r>
+              <a:rPr lang="en-US" altLang="ko-KR" sz="1200" dirty="0"/>
+              <a:t>from </a:t>
+            </a:r>
+            <a:r>
+              <a:rPr lang="en-US" altLang="ko-KR" sz="1200" dirty="0" smtClean="0"/>
+              <a:t>videos</a:t>
+            </a:r>
+          </a:p>
+          <a:p>
+            <a:pPr lvl="1"/>
+            <a:r>
+              <a:rPr lang="en-US" altLang="ko-KR" sz="1200" dirty="0"/>
+              <a:t>P. H. Pinheiro and R. Collobert. </a:t>
+            </a:r>
+            <a:r>
+              <a:rPr lang="en-US" altLang="ko-KR" sz="1200" dirty="0"/>
+              <a:t>Recurrent </a:t>
+            </a:r>
+            <a:r>
+              <a:rPr lang="en-US" altLang="ko-KR" sz="1200" dirty="0" smtClean="0"/>
+              <a:t>convolutional neural </a:t>
+            </a:r>
+            <a:r>
+              <a:rPr lang="en-US" altLang="ko-KR" sz="1200" dirty="0"/>
+              <a:t>networks for scene labeling.</a:t>
+            </a:r>
+            <a:endParaRPr lang="en-US" altLang="ko-KR" sz="2800" dirty="0" smtClean="0"/>
           </a:p>
         </p:txBody>
       </p:sp>
@@ -9954,15 +9962,7 @@
           <a:p>
             <a:r>
               <a:rPr lang="en-US" altLang="ko-KR" dirty="0" smtClean="0"/>
-              <a:t>Related </a:t>
-            </a:r>
-            <a:r>
-              <a:rPr lang="en-US" altLang="ko-KR" dirty="0" smtClean="0"/>
-              <a:t>works(</a:t>
-            </a:r>
-            <a:r>
-              <a:rPr lang="en-US" altLang="ko-KR" dirty="0" smtClean="0"/>
-              <a:t>II)</a:t>
+              <a:t>Related works(II)</a:t>
             </a:r>
             <a:endParaRPr lang="ko-KR" altLang="en-US" dirty="0"/>
           </a:p>
@@ -9975,9 +9975,9 @@
           <p:nvPr/>
         </p:nvCxnSpPr>
         <p:spPr>
-          <a:xfrm flipV="1">
-            <a:off x="539552" y="4437112"/>
-            <a:ext cx="7992888" cy="72008"/>
+          <a:xfrm>
+            <a:off x="539552" y="3140968"/>
+            <a:ext cx="7992888" cy="0"/>
           </a:xfrm>
           <a:prstGeom prst="line">
             <a:avLst/>
@@ -10271,65 +10271,58 @@
           </a:p>
         </p:txBody>
       </p:sp>
-      <p:sp>
-        <p:nvSpPr>
-          <p:cNvPr id="5" name="직사각형 4"/>
-          <p:cNvSpPr/>
+      <p:pic>
+        <p:nvPicPr>
+          <p:cNvPr id="1026" name="Picture 2"/>
+          <p:cNvPicPr>
+            <a:picLocks noChangeAspect="1" noChangeArrowheads="1"/>
+          </p:cNvPicPr>
           <p:nvPr/>
-        </p:nvSpPr>
-        <p:spPr>
+        </p:nvPicPr>
+        <p:blipFill rotWithShape="1">
+          <a:blip r:embed="rId2">
+            <a:extLst>
+              <a:ext uri="{28A0092B-C50C-407E-A947-70E740481C1C}">
+                <a14:useLocalDpi xmlns:a14="http://schemas.microsoft.com/office/drawing/2010/main" val="0"/>
+              </a:ext>
+            </a:extLst>
+          </a:blip>
+          <a:srcRect t="10894"/>
+          <a:stretch/>
+        </p:blipFill>
+        <p:spPr bwMode="auto">
           <a:xfrm>
-            <a:off x="755576" y="4077072"/>
-            <a:ext cx="1296144" cy="936104"/>
+            <a:off x="2501999" y="4077072"/>
+            <a:ext cx="4086225" cy="2342496"/>
           </a:xfrm>
           <a:prstGeom prst="rect">
             <a:avLst/>
           </a:prstGeom>
-          <a:solidFill>
-            <a:schemeClr val="accent5"/>
-          </a:solidFill>
-          <a:ln w="12700">
-            <a:solidFill>
-              <a:schemeClr val="tx1"/>
-            </a:solidFill>
+          <a:noFill/>
+          <a:ln>
+            <a:noFill/>
           </a:ln>
-          <a:effectLst/>
+          <a:extLst>
+            <a:ext uri="{909E8E84-426E-40DD-AFC4-6F175D3DCCD1}">
+              <a14:hiddenFill xmlns:a14="http://schemas.microsoft.com/office/drawing/2010/main">
+                <a:solidFill>
+                  <a:schemeClr val="accent1"/>
+                </a:solidFill>
+              </a14:hiddenFill>
+            </a:ext>
+            <a:ext uri="{91240B29-F687-4F45-9708-019B960494DF}">
+              <a14:hiddenLine xmlns:a14="http://schemas.microsoft.com/office/drawing/2010/main" w="9525">
+                <a:solidFill>
+                  <a:schemeClr val="tx1"/>
+                </a:solidFill>
+                <a:miter lim="800000"/>
+                <a:headEnd/>
+                <a:tailEnd/>
+              </a14:hiddenLine>
+            </a:ext>
+          </a:extLst>
         </p:spPr>
-        <p:style>
-          <a:lnRef idx="3">
-            <a:schemeClr val="lt1"/>
-          </a:lnRef>
-          <a:fillRef idx="1">
-            <a:schemeClr val="accent3"/>
-          </a:fillRef>
-          <a:effectRef idx="1">
-            <a:schemeClr val="accent3"/>
-          </a:effectRef>
-          <a:fontRef idx="minor">
-            <a:schemeClr val="lt1"/>
-          </a:fontRef>
-        </p:style>
-        <p:txBody>
-          <a:bodyPr rtlCol="0" anchor="ctr"/>
-          <a:lstStyle/>
-          <a:p>
-            <a:pPr algn="ctr"/>
-            <a:r>
-              <a:rPr lang="ko-KR" altLang="en-US" dirty="0" smtClean="0">
-                <a:solidFill>
-                  <a:schemeClr val="tx1"/>
-                </a:solidFill>
-              </a:rPr>
-              <a:t>시각 자료 있으면 추가</a:t>
-            </a:r>
-            <a:endParaRPr lang="ko-KR" altLang="en-US" dirty="0">
-              <a:solidFill>
-                <a:schemeClr val="tx1"/>
-              </a:solidFill>
-            </a:endParaRPr>
-          </a:p>
-        </p:txBody>
-      </p:sp>
+      </p:pic>
     </p:spTree>
     <p:extLst>
       <p:ext uri="{BB962C8B-B14F-4D97-AF65-F5344CB8AC3E}">
@@ -10550,65 +10543,60 @@
           </a:p>
         </p:txBody>
       </p:sp>
-      <p:sp>
-        <p:nvSpPr>
-          <p:cNvPr id="5" name="직사각형 4"/>
-          <p:cNvSpPr/>
+      <p:pic>
+        <p:nvPicPr>
+          <p:cNvPr id="2050" name="Picture 2"/>
+          <p:cNvPicPr>
+            <a:picLocks noChangeAspect="1" noChangeArrowheads="1"/>
+          </p:cNvPicPr>
           <p:nvPr/>
-        </p:nvSpPr>
-        <p:spPr>
+        </p:nvPicPr>
+        <p:blipFill>
+          <a:blip r:embed="rId2">
+            <a:extLst>
+              <a:ext uri="{28A0092B-C50C-407E-A947-70E740481C1C}">
+                <a14:useLocalDpi xmlns:a14="http://schemas.microsoft.com/office/drawing/2010/main" val="0"/>
+              </a:ext>
+            </a:extLst>
+          </a:blip>
+          <a:srcRect/>
+          <a:stretch>
+            <a:fillRect/>
+          </a:stretch>
+        </p:blipFill>
+        <p:spPr bwMode="auto">
           <a:xfrm>
-            <a:off x="611560" y="2852936"/>
-            <a:ext cx="1296144" cy="936104"/>
+            <a:off x="0" y="2424261"/>
+            <a:ext cx="9096375" cy="4029075"/>
           </a:xfrm>
           <a:prstGeom prst="rect">
             <a:avLst/>
           </a:prstGeom>
-          <a:solidFill>
-            <a:schemeClr val="accent5"/>
-          </a:solidFill>
-          <a:ln w="12700">
-            <a:solidFill>
-              <a:schemeClr val="tx1"/>
-            </a:solidFill>
+          <a:noFill/>
+          <a:ln>
+            <a:noFill/>
           </a:ln>
-          <a:effectLst/>
+          <a:extLst>
+            <a:ext uri="{909E8E84-426E-40DD-AFC4-6F175D3DCCD1}">
+              <a14:hiddenFill xmlns:a14="http://schemas.microsoft.com/office/drawing/2010/main">
+                <a:solidFill>
+                  <a:schemeClr val="accent1"/>
+                </a:solidFill>
+              </a14:hiddenFill>
+            </a:ext>
+            <a:ext uri="{91240B29-F687-4F45-9708-019B960494DF}">
+              <a14:hiddenLine xmlns:a14="http://schemas.microsoft.com/office/drawing/2010/main" w="9525">
+                <a:solidFill>
+                  <a:schemeClr val="tx1"/>
+                </a:solidFill>
+                <a:miter lim="800000"/>
+                <a:headEnd/>
+                <a:tailEnd/>
+              </a14:hiddenLine>
+            </a:ext>
+          </a:extLst>
         </p:spPr>
-        <p:style>
-          <a:lnRef idx="3">
-            <a:schemeClr val="lt1"/>
-          </a:lnRef>
-          <a:fillRef idx="1">
-            <a:schemeClr val="accent3"/>
-          </a:fillRef>
-          <a:effectRef idx="1">
-            <a:schemeClr val="accent3"/>
-          </a:effectRef>
-          <a:fontRef idx="minor">
-            <a:schemeClr val="lt1"/>
-          </a:fontRef>
-        </p:style>
-        <p:txBody>
-          <a:bodyPr rtlCol="0" anchor="ctr"/>
-          <a:lstStyle/>
-          <a:p>
-            <a:pPr algn="ctr"/>
-            <a:r>
-              <a:rPr lang="ko-KR" altLang="en-US" dirty="0" smtClean="0">
-                <a:solidFill>
-                  <a:schemeClr val="tx1"/>
-                </a:solidFill>
-              </a:rPr>
-              <a:t>시각 자료 있으면 추가</a:t>
-            </a:r>
-            <a:endParaRPr lang="ko-KR" altLang="en-US" dirty="0">
-              <a:solidFill>
-                <a:schemeClr val="tx1"/>
-              </a:solidFill>
-            </a:endParaRPr>
-          </a:p>
-        </p:txBody>
-      </p:sp>
+      </p:pic>
     </p:spTree>
     <p:extLst>
       <p:ext uri="{BB962C8B-B14F-4D97-AF65-F5344CB8AC3E}">
